--- a/pics/2022-01-12-signal_space/pics.pptx
+++ b/pics/2022-01-12-signal_space/pics.pptx
@@ -11,6 +11,7 @@
     <p:sldId id="259" r:id="rId5"/>
     <p:sldId id="260" r:id="rId6"/>
     <p:sldId id="261" r:id="rId7"/>
+    <p:sldId id="262" r:id="rId8"/>
   </p:sldIdLst>
   <p:sldSz cx="9144000" cy="6858000" type="screen4x3"/>
   <p:notesSz cx="6858000" cy="9144000"/>
@@ -293,7 +294,7 @@
           <a:p>
             <a:fld id="{FB30EDBD-1C2D-4C1E-B459-B60219FAB484}" type="datetimeFigureOut">
               <a:rPr lang="ko-KR" altLang="en-US" smtClean="0"/>
-              <a:t>2022-01-18</a:t>
+              <a:t>2022-01-19</a:t>
             </a:fld>
             <a:endParaRPr lang="ko-KR" altLang="en-US"/>
           </a:p>
@@ -458,7 +459,7 @@
           <a:p>
             <a:fld id="{FB30EDBD-1C2D-4C1E-B459-B60219FAB484}" type="datetimeFigureOut">
               <a:rPr lang="ko-KR" altLang="en-US" smtClean="0"/>
-              <a:t>2022-01-18</a:t>
+              <a:t>2022-01-19</a:t>
             </a:fld>
             <a:endParaRPr lang="ko-KR" altLang="en-US"/>
           </a:p>
@@ -633,7 +634,7 @@
           <a:p>
             <a:fld id="{FB30EDBD-1C2D-4C1E-B459-B60219FAB484}" type="datetimeFigureOut">
               <a:rPr lang="ko-KR" altLang="en-US" smtClean="0"/>
-              <a:t>2022-01-18</a:t>
+              <a:t>2022-01-19</a:t>
             </a:fld>
             <a:endParaRPr lang="ko-KR" altLang="en-US"/>
           </a:p>
@@ -798,7 +799,7 @@
           <a:p>
             <a:fld id="{FB30EDBD-1C2D-4C1E-B459-B60219FAB484}" type="datetimeFigureOut">
               <a:rPr lang="ko-KR" altLang="en-US" smtClean="0"/>
-              <a:t>2022-01-18</a:t>
+              <a:t>2022-01-19</a:t>
             </a:fld>
             <a:endParaRPr lang="ko-KR" altLang="en-US"/>
           </a:p>
@@ -1039,7 +1040,7 @@
           <a:p>
             <a:fld id="{FB30EDBD-1C2D-4C1E-B459-B60219FAB484}" type="datetimeFigureOut">
               <a:rPr lang="ko-KR" altLang="en-US" smtClean="0"/>
-              <a:t>2022-01-18</a:t>
+              <a:t>2022-01-19</a:t>
             </a:fld>
             <a:endParaRPr lang="ko-KR" altLang="en-US"/>
           </a:p>
@@ -1322,7 +1323,7 @@
           <a:p>
             <a:fld id="{FB30EDBD-1C2D-4C1E-B459-B60219FAB484}" type="datetimeFigureOut">
               <a:rPr lang="ko-KR" altLang="en-US" smtClean="0"/>
-              <a:t>2022-01-18</a:t>
+              <a:t>2022-01-19</a:t>
             </a:fld>
             <a:endParaRPr lang="ko-KR" altLang="en-US"/>
           </a:p>
@@ -1739,7 +1740,7 @@
           <a:p>
             <a:fld id="{FB30EDBD-1C2D-4C1E-B459-B60219FAB484}" type="datetimeFigureOut">
               <a:rPr lang="ko-KR" altLang="en-US" smtClean="0"/>
-              <a:t>2022-01-18</a:t>
+              <a:t>2022-01-19</a:t>
             </a:fld>
             <a:endParaRPr lang="ko-KR" altLang="en-US"/>
           </a:p>
@@ -1852,7 +1853,7 @@
           <a:p>
             <a:fld id="{FB30EDBD-1C2D-4C1E-B459-B60219FAB484}" type="datetimeFigureOut">
               <a:rPr lang="ko-KR" altLang="en-US" smtClean="0"/>
-              <a:t>2022-01-18</a:t>
+              <a:t>2022-01-19</a:t>
             </a:fld>
             <a:endParaRPr lang="ko-KR" altLang="en-US"/>
           </a:p>
@@ -1942,7 +1943,7 @@
           <a:p>
             <a:fld id="{FB30EDBD-1C2D-4C1E-B459-B60219FAB484}" type="datetimeFigureOut">
               <a:rPr lang="ko-KR" altLang="en-US" smtClean="0"/>
-              <a:t>2022-01-18</a:t>
+              <a:t>2022-01-19</a:t>
             </a:fld>
             <a:endParaRPr lang="ko-KR" altLang="en-US"/>
           </a:p>
@@ -2214,7 +2215,7 @@
           <a:p>
             <a:fld id="{FB30EDBD-1C2D-4C1E-B459-B60219FAB484}" type="datetimeFigureOut">
               <a:rPr lang="ko-KR" altLang="en-US" smtClean="0"/>
-              <a:t>2022-01-18</a:t>
+              <a:t>2022-01-19</a:t>
             </a:fld>
             <a:endParaRPr lang="ko-KR" altLang="en-US"/>
           </a:p>
@@ -2462,7 +2463,7 @@
           <a:p>
             <a:fld id="{FB30EDBD-1C2D-4C1E-B459-B60219FAB484}" type="datetimeFigureOut">
               <a:rPr lang="ko-KR" altLang="en-US" smtClean="0"/>
-              <a:t>2022-01-18</a:t>
+              <a:t>2022-01-19</a:t>
             </a:fld>
             <a:endParaRPr lang="ko-KR" altLang="en-US"/>
           </a:p>
@@ -2670,7 +2671,7 @@
           <a:p>
             <a:fld id="{FB30EDBD-1C2D-4C1E-B459-B60219FAB484}" type="datetimeFigureOut">
               <a:rPr lang="ko-KR" altLang="en-US" smtClean="0"/>
-              <a:t>2022-01-18</a:t>
+              <a:t>2022-01-19</a:t>
             </a:fld>
             <a:endParaRPr lang="ko-KR" altLang="en-US"/>
           </a:p>
@@ -3587,6 +3588,939 @@
 </p:sld>
 </file>
 
+<file path=ppt/slides/slide7.xml><?xml version="1.0" encoding="utf-8"?>
+<p:sld xmlns:a="http://schemas.openxmlformats.org/drawingml/2006/main" xmlns:r="http://schemas.openxmlformats.org/officeDocument/2006/relationships" xmlns:p="http://schemas.openxmlformats.org/presentationml/2006/main">
+  <p:cSld>
+    <p:spTree>
+      <p:nvGrpSpPr>
+        <p:cNvPr id="1" name=""/>
+        <p:cNvGrpSpPr/>
+        <p:nvPr/>
+      </p:nvGrpSpPr>
+      <p:grpSpPr>
+        <a:xfrm>
+          <a:off x="0" y="0"/>
+          <a:ext cx="0" cy="0"/>
+          <a:chOff x="0" y="0"/>
+          <a:chExt cx="0" cy="0"/>
+        </a:xfrm>
+      </p:grpSpPr>
+      <mc:AlternateContent xmlns:mc="http://schemas.openxmlformats.org/markup-compatibility/2006" xmlns:a14="http://schemas.microsoft.com/office/drawing/2010/main">
+        <mc:Choice Requires="a14">
+          <p:sp>
+            <p:nvSpPr>
+              <p:cNvPr id="5" name="TextBox 4"/>
+              <p:cNvSpPr txBox="1"/>
+              <p:nvPr/>
+            </p:nvSpPr>
+            <p:spPr>
+              <a:xfrm>
+                <a:off x="6786073" y="2052138"/>
+                <a:ext cx="1076898" cy="584775"/>
+              </a:xfrm>
+              <a:prstGeom prst="rect">
+                <a:avLst/>
+              </a:prstGeom>
+              <a:noFill/>
+            </p:spPr>
+            <p:txBody>
+              <a:bodyPr wrap="none" rtlCol="0">
+                <a:spAutoFit/>
+              </a:bodyPr>
+              <a:lstStyle/>
+              <a:p>
+                <a:pPr/>
+                <a14:m>
+                  <m:oMathPara xmlns:m="http://schemas.openxmlformats.org/officeDocument/2006/math">
+                    <m:oMathParaPr>
+                      <m:jc m:val="centerGroup"/>
+                    </m:oMathParaPr>
+                    <m:oMath xmlns:m="http://schemas.openxmlformats.org/officeDocument/2006/math">
+                      <m:r>
+                        <a:rPr lang="en-US" altLang="ko-KR" sz="3200" b="0" i="1" smtClean="0">
+                          <a:latin typeface="Cambria Math"/>
+                        </a:rPr>
+                        <m:t>𝑦</m:t>
+                      </m:r>
+                      <m:r>
+                        <a:rPr lang="en-US" altLang="ko-KR" sz="3200" b="0" i="1" smtClean="0">
+                          <a:latin typeface="Cambria Math"/>
+                        </a:rPr>
+                        <m:t>(</m:t>
+                      </m:r>
+                      <m:r>
+                        <a:rPr lang="en-US" altLang="ko-KR" sz="3200" b="0" i="1" smtClean="0">
+                          <a:latin typeface="Cambria Math"/>
+                        </a:rPr>
+                        <m:t>𝑡</m:t>
+                      </m:r>
+                      <m:r>
+                        <a:rPr lang="en-US" altLang="ko-KR" sz="3200" b="0" i="1" smtClean="0">
+                          <a:latin typeface="Cambria Math"/>
+                        </a:rPr>
+                        <m:t>)</m:t>
+                      </m:r>
+                    </m:oMath>
+                  </m:oMathPara>
+                </a14:m>
+                <a:endParaRPr lang="ko-KR" altLang="en-US" sz="3200" dirty="0"/>
+              </a:p>
+            </p:txBody>
+          </p:sp>
+        </mc:Choice>
+        <mc:Fallback xmlns="">
+          <p:sp>
+            <p:nvSpPr>
+              <p:cNvPr id="5" name="TextBox 4"/>
+              <p:cNvSpPr txBox="1">
+                <a:spLocks noRot="1" noChangeAspect="1" noMove="1" noResize="1" noEditPoints="1" noAdjustHandles="1" noChangeArrowheads="1" noChangeShapeType="1" noTextEdit="1"/>
+              </p:cNvSpPr>
+              <p:nvPr/>
+            </p:nvSpPr>
+            <p:spPr>
+              <a:xfrm>
+                <a:off x="6786073" y="2052138"/>
+                <a:ext cx="1076898" cy="584775"/>
+              </a:xfrm>
+              <a:prstGeom prst="rect">
+                <a:avLst/>
+              </a:prstGeom>
+              <a:blipFill rotWithShape="1">
+                <a:blip r:embed="rId2"/>
+                <a:stretch>
+                  <a:fillRect/>
+                </a:stretch>
+              </a:blipFill>
+            </p:spPr>
+            <p:txBody>
+              <a:bodyPr/>
+              <a:lstStyle/>
+              <a:p>
+                <a:r>
+                  <a:rPr lang="ko-KR" altLang="en-US">
+                    <a:noFill/>
+                  </a:rPr>
+                  <a:t> </a:t>
+                </a:r>
+              </a:p>
+            </p:txBody>
+          </p:sp>
+        </mc:Fallback>
+      </mc:AlternateContent>
+      <mc:AlternateContent xmlns:mc="http://schemas.openxmlformats.org/markup-compatibility/2006" xmlns:a14="http://schemas.microsoft.com/office/drawing/2010/main">
+        <mc:Choice Requires="a14">
+          <p:sp>
+            <p:nvSpPr>
+              <p:cNvPr id="6" name="TextBox 5"/>
+              <p:cNvSpPr txBox="1"/>
+              <p:nvPr/>
+            </p:nvSpPr>
+            <p:spPr>
+              <a:xfrm>
+                <a:off x="1261601" y="2052138"/>
+                <a:ext cx="1071127" cy="584775"/>
+              </a:xfrm>
+              <a:prstGeom prst="rect">
+                <a:avLst/>
+              </a:prstGeom>
+              <a:noFill/>
+            </p:spPr>
+            <p:txBody>
+              <a:bodyPr wrap="none" rtlCol="0">
+                <a:spAutoFit/>
+              </a:bodyPr>
+              <a:lstStyle/>
+              <a:p>
+                <a:pPr/>
+                <a14:m>
+                  <m:oMathPara xmlns:m="http://schemas.openxmlformats.org/officeDocument/2006/math">
+                    <m:oMathParaPr>
+                      <m:jc m:val="centerGroup"/>
+                    </m:oMathParaPr>
+                    <m:oMath xmlns:m="http://schemas.openxmlformats.org/officeDocument/2006/math">
+                      <m:r>
+                        <a:rPr lang="en-US" altLang="ko-KR" sz="3200" b="0" i="1" smtClean="0">
+                          <a:latin typeface="Cambria Math"/>
+                        </a:rPr>
+                        <m:t>𝑥</m:t>
+                      </m:r>
+                      <m:r>
+                        <a:rPr lang="en-US" altLang="ko-KR" sz="3200" b="0" i="1" smtClean="0">
+                          <a:latin typeface="Cambria Math"/>
+                        </a:rPr>
+                        <m:t>(</m:t>
+                      </m:r>
+                      <m:r>
+                        <a:rPr lang="en-US" altLang="ko-KR" sz="3200" b="0" i="1" smtClean="0">
+                          <a:latin typeface="Cambria Math"/>
+                        </a:rPr>
+                        <m:t>𝑡</m:t>
+                      </m:r>
+                      <m:r>
+                        <a:rPr lang="en-US" altLang="ko-KR" sz="3200" b="0" i="1" smtClean="0">
+                          <a:latin typeface="Cambria Math"/>
+                        </a:rPr>
+                        <m:t>)</m:t>
+                      </m:r>
+                    </m:oMath>
+                  </m:oMathPara>
+                </a14:m>
+                <a:endParaRPr lang="ko-KR" altLang="en-US" sz="3200" i="1" dirty="0"/>
+              </a:p>
+            </p:txBody>
+          </p:sp>
+        </mc:Choice>
+        <mc:Fallback xmlns="">
+          <p:sp>
+            <p:nvSpPr>
+              <p:cNvPr id="6" name="TextBox 5"/>
+              <p:cNvSpPr txBox="1">
+                <a:spLocks noRot="1" noChangeAspect="1" noMove="1" noResize="1" noEditPoints="1" noAdjustHandles="1" noChangeArrowheads="1" noChangeShapeType="1" noTextEdit="1"/>
+              </p:cNvSpPr>
+              <p:nvPr/>
+            </p:nvSpPr>
+            <p:spPr>
+              <a:xfrm>
+                <a:off x="1261601" y="2052138"/>
+                <a:ext cx="1071127" cy="584775"/>
+              </a:xfrm>
+              <a:prstGeom prst="rect">
+                <a:avLst/>
+              </a:prstGeom>
+              <a:blipFill rotWithShape="1">
+                <a:blip r:embed="rId3"/>
+                <a:stretch>
+                  <a:fillRect/>
+                </a:stretch>
+              </a:blipFill>
+            </p:spPr>
+            <p:txBody>
+              <a:bodyPr/>
+              <a:lstStyle/>
+              <a:p>
+                <a:r>
+                  <a:rPr lang="ko-KR" altLang="en-US">
+                    <a:noFill/>
+                  </a:rPr>
+                  <a:t> </a:t>
+                </a:r>
+              </a:p>
+            </p:txBody>
+          </p:sp>
+        </mc:Fallback>
+      </mc:AlternateContent>
+      <p:sp>
+        <p:nvSpPr>
+          <p:cNvPr id="4" name="직사각형 3"/>
+          <p:cNvSpPr/>
+          <p:nvPr/>
+        </p:nvSpPr>
+        <p:spPr>
+          <a:xfrm>
+            <a:off x="3339508" y="1641893"/>
+            <a:ext cx="2459212" cy="1405264"/>
+          </a:xfrm>
+          <a:prstGeom prst="rect">
+            <a:avLst/>
+          </a:prstGeom>
+          <a:solidFill>
+            <a:schemeClr val="bg1"/>
+          </a:solidFill>
+          <a:ln>
+            <a:solidFill>
+              <a:schemeClr val="tx1"/>
+            </a:solidFill>
+          </a:ln>
+        </p:spPr>
+        <p:style>
+          <a:lnRef idx="2">
+            <a:schemeClr val="accent1">
+              <a:shade val="50000"/>
+            </a:schemeClr>
+          </a:lnRef>
+          <a:fillRef idx="1">
+            <a:schemeClr val="accent1"/>
+          </a:fillRef>
+          <a:effectRef idx="0">
+            <a:schemeClr val="accent1"/>
+          </a:effectRef>
+          <a:fontRef idx="minor">
+            <a:schemeClr val="lt1"/>
+          </a:fontRef>
+        </p:style>
+        <p:txBody>
+          <a:bodyPr rtlCol="0" anchor="ctr"/>
+          <a:lstStyle/>
+          <a:p>
+            <a:pPr algn="ctr"/>
+            <a:endParaRPr lang="ko-KR" altLang="en-US" sz="3200" dirty="0"/>
+          </a:p>
+        </p:txBody>
+      </p:sp>
+      <mc:AlternateContent xmlns:mc="http://schemas.openxmlformats.org/markup-compatibility/2006" xmlns:a14="http://schemas.microsoft.com/office/drawing/2010/main">
+        <mc:Choice Requires="a14">
+          <p:sp>
+            <p:nvSpPr>
+              <p:cNvPr id="7" name="TextBox 6"/>
+              <p:cNvSpPr txBox="1"/>
+              <p:nvPr/>
+            </p:nvSpPr>
+            <p:spPr>
+              <a:xfrm>
+                <a:off x="3742318" y="2052138"/>
+                <a:ext cx="1653593" cy="584775"/>
+              </a:xfrm>
+              <a:prstGeom prst="rect">
+                <a:avLst/>
+              </a:prstGeom>
+              <a:noFill/>
+            </p:spPr>
+            <p:txBody>
+              <a:bodyPr wrap="none" rtlCol="0">
+                <a:spAutoFit/>
+              </a:bodyPr>
+              <a:lstStyle/>
+              <a:p>
+                <a:pPr/>
+                <a14:m>
+                  <m:oMathPara xmlns:m="http://schemas.openxmlformats.org/officeDocument/2006/math">
+                    <m:oMathParaPr>
+                      <m:jc m:val="centerGroup"/>
+                    </m:oMathParaPr>
+                    <m:oMath xmlns:m="http://schemas.openxmlformats.org/officeDocument/2006/math">
+                      <m:r>
+                        <a:rPr lang="en-US" altLang="ko-KR" sz="3200" b="0" i="1" smtClean="0">
+                          <a:latin typeface="Cambria Math"/>
+                        </a:rPr>
+                        <m:t>𝑠𝑦𝑠𝑡𝑒𝑚</m:t>
+                      </m:r>
+                    </m:oMath>
+                  </m:oMathPara>
+                </a14:m>
+                <a:endParaRPr lang="ko-KR" altLang="en-US" sz="3200" dirty="0"/>
+              </a:p>
+            </p:txBody>
+          </p:sp>
+        </mc:Choice>
+        <mc:Fallback xmlns="">
+          <p:sp>
+            <p:nvSpPr>
+              <p:cNvPr id="7" name="TextBox 6"/>
+              <p:cNvSpPr txBox="1">
+                <a:spLocks noRot="1" noChangeAspect="1" noMove="1" noResize="1" noEditPoints="1" noAdjustHandles="1" noChangeArrowheads="1" noChangeShapeType="1" noTextEdit="1"/>
+              </p:cNvSpPr>
+              <p:nvPr/>
+            </p:nvSpPr>
+            <p:spPr>
+              <a:xfrm>
+                <a:off x="3742318" y="2052138"/>
+                <a:ext cx="1653593" cy="584775"/>
+              </a:xfrm>
+              <a:prstGeom prst="rect">
+                <a:avLst/>
+              </a:prstGeom>
+              <a:blipFill rotWithShape="1">
+                <a:blip r:embed="rId4"/>
+                <a:stretch>
+                  <a:fillRect/>
+                </a:stretch>
+              </a:blipFill>
+            </p:spPr>
+            <p:txBody>
+              <a:bodyPr/>
+              <a:lstStyle/>
+              <a:p>
+                <a:r>
+                  <a:rPr lang="ko-KR" altLang="en-US">
+                    <a:noFill/>
+                  </a:rPr>
+                  <a:t> </a:t>
+                </a:r>
+              </a:p>
+            </p:txBody>
+          </p:sp>
+        </mc:Fallback>
+      </mc:AlternateContent>
+      <p:cxnSp>
+        <p:nvCxnSpPr>
+          <p:cNvPr id="11" name="직선 화살표 연결선 10"/>
+          <p:cNvCxnSpPr/>
+          <p:nvPr/>
+        </p:nvCxnSpPr>
+        <p:spPr>
+          <a:xfrm>
+            <a:off x="5866411" y="2344525"/>
+            <a:ext cx="851970" cy="0"/>
+          </a:xfrm>
+          <a:prstGeom prst="straightConnector1">
+            <a:avLst/>
+          </a:prstGeom>
+          <a:ln w="28575">
+            <a:solidFill>
+              <a:schemeClr val="tx1"/>
+            </a:solidFill>
+            <a:tailEnd type="arrow"/>
+          </a:ln>
+        </p:spPr>
+        <p:style>
+          <a:lnRef idx="1">
+            <a:schemeClr val="accent1"/>
+          </a:lnRef>
+          <a:fillRef idx="0">
+            <a:schemeClr val="accent1"/>
+          </a:fillRef>
+          <a:effectRef idx="0">
+            <a:schemeClr val="accent1"/>
+          </a:effectRef>
+          <a:fontRef idx="minor">
+            <a:schemeClr val="tx1"/>
+          </a:fontRef>
+        </p:style>
+      </p:cxnSp>
+      <p:cxnSp>
+        <p:nvCxnSpPr>
+          <p:cNvPr id="13" name="직선 화살표 연결선 12"/>
+          <p:cNvCxnSpPr/>
+          <p:nvPr/>
+        </p:nvCxnSpPr>
+        <p:spPr>
+          <a:xfrm>
+            <a:off x="2419847" y="2344525"/>
+            <a:ext cx="851970" cy="0"/>
+          </a:xfrm>
+          <a:prstGeom prst="straightConnector1">
+            <a:avLst/>
+          </a:prstGeom>
+          <a:ln w="28575">
+            <a:solidFill>
+              <a:schemeClr val="tx1"/>
+            </a:solidFill>
+            <a:tailEnd type="arrow"/>
+          </a:ln>
+        </p:spPr>
+        <p:style>
+          <a:lnRef idx="1">
+            <a:schemeClr val="accent1"/>
+          </a:lnRef>
+          <a:fillRef idx="0">
+            <a:schemeClr val="accent1"/>
+          </a:fillRef>
+          <a:effectRef idx="0">
+            <a:schemeClr val="accent1"/>
+          </a:effectRef>
+          <a:fontRef idx="minor">
+            <a:schemeClr val="tx1"/>
+          </a:fontRef>
+        </p:style>
+      </p:cxnSp>
+      <mc:AlternateContent xmlns:mc="http://schemas.openxmlformats.org/markup-compatibility/2006" xmlns:a14="http://schemas.microsoft.com/office/drawing/2010/main">
+        <mc:Choice Requires="a14">
+          <p:sp>
+            <p:nvSpPr>
+              <p:cNvPr id="8" name="TextBox 7"/>
+              <p:cNvSpPr txBox="1"/>
+              <p:nvPr/>
+            </p:nvSpPr>
+            <p:spPr>
+              <a:xfrm>
+                <a:off x="5667626" y="4199285"/>
+                <a:ext cx="3333220" cy="600805"/>
+              </a:xfrm>
+              <a:prstGeom prst="rect">
+                <a:avLst/>
+              </a:prstGeom>
+              <a:noFill/>
+            </p:spPr>
+            <p:txBody>
+              <a:bodyPr wrap="none" rtlCol="0">
+                <a:spAutoFit/>
+              </a:bodyPr>
+              <a:lstStyle/>
+              <a:p>
+                <a:pPr/>
+                <a14:m>
+                  <m:oMathPara xmlns:m="http://schemas.openxmlformats.org/officeDocument/2006/math">
+                    <m:oMathParaPr>
+                      <m:jc m:val="centerGroup"/>
+                    </m:oMathParaPr>
+                    <m:oMath xmlns:m="http://schemas.openxmlformats.org/officeDocument/2006/math">
+                      <m:r>
+                        <a:rPr lang="en-US" altLang="ko-KR" sz="3200" b="0" i="1" smtClean="0">
+                          <a:latin typeface="Cambria Math"/>
+                        </a:rPr>
+                        <m:t>𝑦</m:t>
+                      </m:r>
+                      <m:d>
+                        <m:dPr>
+                          <m:ctrlPr>
+                            <a:rPr lang="en-US" altLang="ko-KR" sz="3200" b="0" i="1" smtClean="0">
+                              <a:latin typeface="Cambria Math"/>
+                            </a:rPr>
+                          </m:ctrlPr>
+                        </m:dPr>
+                        <m:e>
+                          <m:r>
+                            <a:rPr lang="en-US" altLang="ko-KR" sz="3200" b="0" i="1" smtClean="0">
+                              <a:latin typeface="Cambria Math"/>
+                            </a:rPr>
+                            <m:t>𝑡</m:t>
+                          </m:r>
+                        </m:e>
+                      </m:d>
+                      <m:r>
+                        <a:rPr lang="en-US" altLang="ko-KR" sz="3200" b="0" i="1" smtClean="0">
+                          <a:latin typeface="Cambria Math"/>
+                        </a:rPr>
+                        <m:t>=</m:t>
+                      </m:r>
+                      <m:r>
+                        <a:rPr lang="en-US" altLang="ko-KR" sz="3200" b="0" i="1" smtClean="0">
+                          <a:latin typeface="Cambria Math"/>
+                        </a:rPr>
+                        <m:t>𝐻</m:t>
+                      </m:r>
+                      <m:d>
+                        <m:dPr>
+                          <m:ctrlPr>
+                            <a:rPr lang="en-US" altLang="ko-KR" sz="3200" b="0" i="1" smtClean="0">
+                              <a:latin typeface="Cambria Math"/>
+                            </a:rPr>
+                          </m:ctrlPr>
+                        </m:dPr>
+                        <m:e>
+                          <m:r>
+                            <a:rPr lang="en-US" altLang="ko-KR" sz="3200" b="0" i="1" smtClean="0">
+                              <a:latin typeface="Cambria Math"/>
+                            </a:rPr>
+                            <m:t>𝜔</m:t>
+                          </m:r>
+                        </m:e>
+                      </m:d>
+                      <m:sSup>
+                        <m:sSupPr>
+                          <m:ctrlPr>
+                            <a:rPr lang="en-US" altLang="ko-KR" sz="3200" b="0" i="1" smtClean="0">
+                              <a:latin typeface="Cambria Math"/>
+                            </a:rPr>
+                          </m:ctrlPr>
+                        </m:sSupPr>
+                        <m:e>
+                          <m:r>
+                            <a:rPr lang="en-US" altLang="ko-KR" sz="3200" b="0" i="1" smtClean="0">
+                              <a:latin typeface="Cambria Math"/>
+                            </a:rPr>
+                            <m:t>𝑒</m:t>
+                          </m:r>
+                        </m:e>
+                        <m:sup>
+                          <m:r>
+                            <a:rPr lang="en-US" altLang="ko-KR" sz="3200" b="0" i="1" smtClean="0">
+                              <a:latin typeface="Cambria Math"/>
+                            </a:rPr>
+                            <m:t>𝑗</m:t>
+                          </m:r>
+                          <m:r>
+                            <a:rPr lang="en-US" altLang="ko-KR" sz="3200" b="0" i="1" smtClean="0">
+                              <a:latin typeface="Cambria Math"/>
+                            </a:rPr>
+                            <m:t>𝜔</m:t>
+                          </m:r>
+                          <m:r>
+                            <a:rPr lang="en-US" altLang="ko-KR" sz="3200" b="0" i="1" smtClean="0">
+                              <a:latin typeface="Cambria Math"/>
+                            </a:rPr>
+                            <m:t>𝑡</m:t>
+                          </m:r>
+                        </m:sup>
+                      </m:sSup>
+                    </m:oMath>
+                  </m:oMathPara>
+                </a14:m>
+                <a:endParaRPr lang="ko-KR" altLang="en-US" sz="3200" dirty="0"/>
+              </a:p>
+            </p:txBody>
+          </p:sp>
+        </mc:Choice>
+        <mc:Fallback xmlns="">
+          <p:sp>
+            <p:nvSpPr>
+              <p:cNvPr id="8" name="TextBox 7"/>
+              <p:cNvSpPr txBox="1">
+                <a:spLocks noRot="1" noChangeAspect="1" noMove="1" noResize="1" noEditPoints="1" noAdjustHandles="1" noChangeArrowheads="1" noChangeShapeType="1" noTextEdit="1"/>
+              </p:cNvSpPr>
+              <p:nvPr/>
+            </p:nvSpPr>
+            <p:spPr>
+              <a:xfrm>
+                <a:off x="5667626" y="4199285"/>
+                <a:ext cx="3333220" cy="600805"/>
+              </a:xfrm>
+              <a:prstGeom prst="rect">
+                <a:avLst/>
+              </a:prstGeom>
+              <a:blipFill rotWithShape="1">
+                <a:blip r:embed="rId5"/>
+                <a:stretch>
+                  <a:fillRect/>
+                </a:stretch>
+              </a:blipFill>
+            </p:spPr>
+            <p:txBody>
+              <a:bodyPr/>
+              <a:lstStyle/>
+              <a:p>
+                <a:r>
+                  <a:rPr lang="ko-KR" altLang="en-US">
+                    <a:noFill/>
+                  </a:rPr>
+                  <a:t> </a:t>
+                </a:r>
+              </a:p>
+            </p:txBody>
+          </p:sp>
+        </mc:Fallback>
+      </mc:AlternateContent>
+      <mc:AlternateContent xmlns:mc="http://schemas.openxmlformats.org/markup-compatibility/2006" xmlns:a14="http://schemas.microsoft.com/office/drawing/2010/main">
+        <mc:Choice Requires="a14">
+          <p:sp>
+            <p:nvSpPr>
+              <p:cNvPr id="9" name="TextBox 8"/>
+              <p:cNvSpPr txBox="1"/>
+              <p:nvPr/>
+            </p:nvSpPr>
+            <p:spPr>
+              <a:xfrm>
+                <a:off x="143154" y="4199285"/>
+                <a:ext cx="1092287" cy="600805"/>
+              </a:xfrm>
+              <a:prstGeom prst="rect">
+                <a:avLst/>
+              </a:prstGeom>
+              <a:noFill/>
+            </p:spPr>
+            <p:txBody>
+              <a:bodyPr wrap="none" rtlCol="0">
+                <a:spAutoFit/>
+              </a:bodyPr>
+              <a:lstStyle/>
+              <a:p>
+                <a:pPr/>
+                <a14:m>
+                  <m:oMathPara xmlns:m="http://schemas.openxmlformats.org/officeDocument/2006/math">
+                    <m:oMathParaPr>
+                      <m:jc m:val="centerGroup"/>
+                    </m:oMathParaPr>
+                    <m:oMath xmlns:m="http://schemas.openxmlformats.org/officeDocument/2006/math">
+                      <m:sSup>
+                        <m:sSupPr>
+                          <m:ctrlPr>
+                            <a:rPr lang="en-US" altLang="ko-KR" sz="3200" b="0" i="1" smtClean="0">
+                              <a:latin typeface="Cambria Math"/>
+                            </a:rPr>
+                          </m:ctrlPr>
+                        </m:sSupPr>
+                        <m:e>
+                          <m:r>
+                            <a:rPr lang="en-US" altLang="ko-KR" sz="3200" b="0" i="1" smtClean="0">
+                              <a:latin typeface="Cambria Math"/>
+                            </a:rPr>
+                            <m:t>𝑒</m:t>
+                          </m:r>
+                        </m:e>
+                        <m:sup>
+                          <m:r>
+                            <a:rPr lang="en-US" altLang="ko-KR" sz="3200" b="0" i="1" smtClean="0">
+                              <a:latin typeface="Cambria Math"/>
+                            </a:rPr>
+                            <m:t>𝑗</m:t>
+                          </m:r>
+                          <m:r>
+                            <a:rPr lang="en-US" altLang="ko-KR" sz="3200" b="0" i="1" smtClean="0">
+                              <a:latin typeface="Cambria Math"/>
+                            </a:rPr>
+                            <m:t>𝜔</m:t>
+                          </m:r>
+                          <m:r>
+                            <a:rPr lang="en-US" altLang="ko-KR" sz="3200" b="0" i="1" smtClean="0">
+                              <a:latin typeface="Cambria Math"/>
+                            </a:rPr>
+                            <m:t>𝑡</m:t>
+                          </m:r>
+                        </m:sup>
+                      </m:sSup>
+                    </m:oMath>
+                  </m:oMathPara>
+                </a14:m>
+                <a:endParaRPr lang="ko-KR" altLang="en-US" sz="3200" i="1" dirty="0"/>
+              </a:p>
+            </p:txBody>
+          </p:sp>
+        </mc:Choice>
+        <mc:Fallback xmlns="">
+          <p:sp>
+            <p:nvSpPr>
+              <p:cNvPr id="9" name="TextBox 8"/>
+              <p:cNvSpPr txBox="1">
+                <a:spLocks noRot="1" noChangeAspect="1" noMove="1" noResize="1" noEditPoints="1" noAdjustHandles="1" noChangeArrowheads="1" noChangeShapeType="1" noTextEdit="1"/>
+              </p:cNvSpPr>
+              <p:nvPr/>
+            </p:nvSpPr>
+            <p:spPr>
+              <a:xfrm>
+                <a:off x="143154" y="4199285"/>
+                <a:ext cx="1092287" cy="600805"/>
+              </a:xfrm>
+              <a:prstGeom prst="rect">
+                <a:avLst/>
+              </a:prstGeom>
+              <a:blipFill rotWithShape="1">
+                <a:blip r:embed="rId6"/>
+                <a:stretch>
+                  <a:fillRect/>
+                </a:stretch>
+              </a:blipFill>
+            </p:spPr>
+            <p:txBody>
+              <a:bodyPr/>
+              <a:lstStyle/>
+              <a:p>
+                <a:r>
+                  <a:rPr lang="ko-KR" altLang="en-US">
+                    <a:noFill/>
+                  </a:rPr>
+                  <a:t> </a:t>
+                </a:r>
+              </a:p>
+            </p:txBody>
+          </p:sp>
+        </mc:Fallback>
+      </mc:AlternateContent>
+      <p:sp>
+        <p:nvSpPr>
+          <p:cNvPr id="10" name="직사각형 9"/>
+          <p:cNvSpPr/>
+          <p:nvPr/>
+        </p:nvSpPr>
+        <p:spPr>
+          <a:xfrm>
+            <a:off x="2221061" y="3789040"/>
+            <a:ext cx="2459212" cy="1405264"/>
+          </a:xfrm>
+          <a:prstGeom prst="rect">
+            <a:avLst/>
+          </a:prstGeom>
+          <a:solidFill>
+            <a:schemeClr val="bg1"/>
+          </a:solidFill>
+          <a:ln>
+            <a:solidFill>
+              <a:schemeClr val="tx1"/>
+            </a:solidFill>
+          </a:ln>
+        </p:spPr>
+        <p:style>
+          <a:lnRef idx="2">
+            <a:schemeClr val="accent1">
+              <a:shade val="50000"/>
+            </a:schemeClr>
+          </a:lnRef>
+          <a:fillRef idx="1">
+            <a:schemeClr val="accent1"/>
+          </a:fillRef>
+          <a:effectRef idx="0">
+            <a:schemeClr val="accent1"/>
+          </a:effectRef>
+          <a:fontRef idx="minor">
+            <a:schemeClr val="lt1"/>
+          </a:fontRef>
+        </p:style>
+        <p:txBody>
+          <a:bodyPr rtlCol="0" anchor="ctr"/>
+          <a:lstStyle/>
+          <a:p>
+            <a:pPr algn="ctr"/>
+            <a:endParaRPr lang="ko-KR" altLang="en-US" sz="3200" dirty="0"/>
+          </a:p>
+        </p:txBody>
+      </p:sp>
+      <mc:AlternateContent xmlns:mc="http://schemas.openxmlformats.org/markup-compatibility/2006">
+        <mc:Choice xmlns:a14="http://schemas.microsoft.com/office/drawing/2010/main" Requires="a14">
+          <p:sp>
+            <p:nvSpPr>
+              <p:cNvPr id="12" name="TextBox 11"/>
+              <p:cNvSpPr txBox="1"/>
+              <p:nvPr/>
+            </p:nvSpPr>
+            <p:spPr>
+              <a:xfrm>
+                <a:off x="2693858" y="3953063"/>
+                <a:ext cx="1653593" cy="1077218"/>
+              </a:xfrm>
+              <a:prstGeom prst="rect">
+                <a:avLst/>
+              </a:prstGeom>
+              <a:noFill/>
+            </p:spPr>
+            <p:txBody>
+              <a:bodyPr wrap="none" rtlCol="0">
+                <a:spAutoFit/>
+              </a:bodyPr>
+              <a:lstStyle/>
+              <a:p>
+                <a:pPr algn="ctr"/>
+                <a:r>
+                  <a:rPr lang="en-US" altLang="ko-KR" sz="3200" b="1" dirty="0" smtClean="0">
+                    <a:latin typeface="Cambria Math"/>
+                  </a:rPr>
+                  <a:t>L T I</a:t>
+                </a:r>
+              </a:p>
+              <a:p>
+                <a:pPr algn="ctr"/>
+                <a14:m>
+                  <m:oMathPara xmlns:m="http://schemas.openxmlformats.org/officeDocument/2006/math">
+                    <m:oMathParaPr>
+                      <m:jc m:val="centerGroup"/>
+                    </m:oMathParaPr>
+                    <m:oMath xmlns:m="http://schemas.openxmlformats.org/officeDocument/2006/math">
+                      <m:r>
+                        <a:rPr lang="en-US" altLang="ko-KR" sz="3200" b="0" i="1" smtClean="0">
+                          <a:latin typeface="Cambria Math"/>
+                        </a:rPr>
+                        <m:t>𝑠𝑦𝑠𝑡𝑒𝑚</m:t>
+                      </m:r>
+                    </m:oMath>
+                  </m:oMathPara>
+                </a14:m>
+                <a:endParaRPr lang="ko-KR" altLang="en-US" sz="3200" i="1" dirty="0"/>
+              </a:p>
+            </p:txBody>
+          </p:sp>
+        </mc:Choice>
+        <mc:Fallback>
+          <p:sp>
+            <p:nvSpPr>
+              <p:cNvPr id="12" name="TextBox 11"/>
+              <p:cNvSpPr txBox="1">
+                <a:spLocks noRot="1" noChangeAspect="1" noMove="1" noResize="1" noEditPoints="1" noAdjustHandles="1" noChangeArrowheads="1" noChangeShapeType="1" noTextEdit="1"/>
+              </p:cNvSpPr>
+              <p:nvPr/>
+            </p:nvSpPr>
+            <p:spPr>
+              <a:xfrm>
+                <a:off x="2693858" y="3953063"/>
+                <a:ext cx="1653593" cy="1077218"/>
+              </a:xfrm>
+              <a:prstGeom prst="rect">
+                <a:avLst/>
+              </a:prstGeom>
+              <a:blipFill rotWithShape="1">
+                <a:blip r:embed="rId7"/>
+                <a:stretch>
+                  <a:fillRect t="-7345"/>
+                </a:stretch>
+              </a:blipFill>
+            </p:spPr>
+            <p:txBody>
+              <a:bodyPr/>
+              <a:lstStyle/>
+              <a:p>
+                <a:r>
+                  <a:rPr lang="ko-KR" altLang="en-US">
+                    <a:noFill/>
+                  </a:rPr>
+                  <a:t> </a:t>
+                </a:r>
+              </a:p>
+            </p:txBody>
+          </p:sp>
+        </mc:Fallback>
+      </mc:AlternateContent>
+      <p:cxnSp>
+        <p:nvCxnSpPr>
+          <p:cNvPr id="14" name="직선 화살표 연결선 13"/>
+          <p:cNvCxnSpPr/>
+          <p:nvPr/>
+        </p:nvCxnSpPr>
+        <p:spPr>
+          <a:xfrm>
+            <a:off x="4747964" y="4491672"/>
+            <a:ext cx="851970" cy="0"/>
+          </a:xfrm>
+          <a:prstGeom prst="straightConnector1">
+            <a:avLst/>
+          </a:prstGeom>
+          <a:ln w="28575">
+            <a:solidFill>
+              <a:schemeClr val="tx1"/>
+            </a:solidFill>
+            <a:tailEnd type="arrow"/>
+          </a:ln>
+        </p:spPr>
+        <p:style>
+          <a:lnRef idx="1">
+            <a:schemeClr val="accent1"/>
+          </a:lnRef>
+          <a:fillRef idx="0">
+            <a:schemeClr val="accent1"/>
+          </a:fillRef>
+          <a:effectRef idx="0">
+            <a:schemeClr val="accent1"/>
+          </a:effectRef>
+          <a:fontRef idx="minor">
+            <a:schemeClr val="tx1"/>
+          </a:fontRef>
+        </p:style>
+      </p:cxnSp>
+      <p:cxnSp>
+        <p:nvCxnSpPr>
+          <p:cNvPr id="15" name="직선 화살표 연결선 14"/>
+          <p:cNvCxnSpPr/>
+          <p:nvPr/>
+        </p:nvCxnSpPr>
+        <p:spPr>
+          <a:xfrm>
+            <a:off x="1301400" y="4491672"/>
+            <a:ext cx="851970" cy="0"/>
+          </a:xfrm>
+          <a:prstGeom prst="straightConnector1">
+            <a:avLst/>
+          </a:prstGeom>
+          <a:ln w="28575">
+            <a:solidFill>
+              <a:schemeClr val="tx1"/>
+            </a:solidFill>
+            <a:tailEnd type="arrow"/>
+          </a:ln>
+        </p:spPr>
+        <p:style>
+          <a:lnRef idx="1">
+            <a:schemeClr val="accent1"/>
+          </a:lnRef>
+          <a:fillRef idx="0">
+            <a:schemeClr val="accent1"/>
+          </a:fillRef>
+          <a:effectRef idx="0">
+            <a:schemeClr val="accent1"/>
+          </a:effectRef>
+          <a:fontRef idx="minor">
+            <a:schemeClr val="tx1"/>
+          </a:fontRef>
+        </p:style>
+      </p:cxnSp>
+    </p:spTree>
+    <p:extLst>
+      <p:ext uri="{BB962C8B-B14F-4D97-AF65-F5344CB8AC3E}">
+        <p14:creationId xmlns:p14="http://schemas.microsoft.com/office/powerpoint/2010/main" val="3764370776"/>
+      </p:ext>
+    </p:extLst>
+  </p:cSld>
+  <p:clrMapOvr>
+    <a:masterClrMapping/>
+  </p:clrMapOvr>
+</p:sld>
+</file>
+
 <file path=ppt/theme/theme1.xml><?xml version="1.0" encoding="utf-8"?>
 <a:theme xmlns:a="http://schemas.openxmlformats.org/drawingml/2006/main" name="Office 테마">
   <a:themeElements>
